--- a/Assignment 1 (Document Search)/Document_Search_Engine_Feynman_Presentation.pptx
+++ b/Assignment 1 (Document Search)/Document_Search_Engine_Feynman_Presentation.pptx
@@ -11,8 +11,9 @@
     <p:sldId id="259" r:id="rId5"/>
     <p:sldId id="260" r:id="rId6"/>
     <p:sldId id="261" r:id="rId7"/>
-    <p:sldId id="262" r:id="rId8"/>
-    <p:sldId id="263" r:id="rId9"/>
+    <p:sldId id="264" r:id="rId8"/>
+    <p:sldId id="262" r:id="rId9"/>
+    <p:sldId id="263" r:id="rId10"/>
   </p:sldIdLst>
   <p:sldSz cx="12192000" cy="6858000"/>
   <p:notesSz cx="6858000" cy="9144000"/>
@@ -266,7 +267,7 @@
           <a:p>
             <a:fld id="{B8C95204-8909-44C9-9FCD-2950C0DAF391}" type="datetimeFigureOut">
               <a:rPr lang="en-US" smtClean="0"/>
-              <a:t>11/26/2024</a:t>
+              <a:t>12/3/2024</a:t>
             </a:fld>
             <a:endParaRPr lang="en-US"/>
           </a:p>
@@ -464,7 +465,7 @@
           <a:p>
             <a:fld id="{B8C95204-8909-44C9-9FCD-2950C0DAF391}" type="datetimeFigureOut">
               <a:rPr lang="en-US" smtClean="0"/>
-              <a:t>11/26/2024</a:t>
+              <a:t>12/3/2024</a:t>
             </a:fld>
             <a:endParaRPr lang="en-US"/>
           </a:p>
@@ -672,7 +673,7 @@
           <a:p>
             <a:fld id="{B8C95204-8909-44C9-9FCD-2950C0DAF391}" type="datetimeFigureOut">
               <a:rPr lang="en-US" smtClean="0"/>
-              <a:t>11/26/2024</a:t>
+              <a:t>12/3/2024</a:t>
             </a:fld>
             <a:endParaRPr lang="en-US"/>
           </a:p>
@@ -870,7 +871,7 @@
           <a:p>
             <a:fld id="{B8C95204-8909-44C9-9FCD-2950C0DAF391}" type="datetimeFigureOut">
               <a:rPr lang="en-US" smtClean="0"/>
-              <a:t>11/26/2024</a:t>
+              <a:t>12/3/2024</a:t>
             </a:fld>
             <a:endParaRPr lang="en-US"/>
           </a:p>
@@ -1068,7 +1069,7 @@
           <a:p>
             <a:fld id="{B8C95204-8909-44C9-9FCD-2950C0DAF391}" type="datetimeFigureOut">
               <a:rPr lang="en-US" smtClean="0"/>
-              <a:t>11/26/2024</a:t>
+              <a:t>12/3/2024</a:t>
             </a:fld>
             <a:endParaRPr lang="en-US"/>
           </a:p>
@@ -1343,7 +1344,7 @@
           <a:p>
             <a:fld id="{B8C95204-8909-44C9-9FCD-2950C0DAF391}" type="datetimeFigureOut">
               <a:rPr lang="en-US" smtClean="0"/>
-              <a:t>11/26/2024</a:t>
+              <a:t>12/3/2024</a:t>
             </a:fld>
             <a:endParaRPr lang="en-US"/>
           </a:p>
@@ -1608,7 +1609,7 @@
           <a:p>
             <a:fld id="{B8C95204-8909-44C9-9FCD-2950C0DAF391}" type="datetimeFigureOut">
               <a:rPr lang="en-US" smtClean="0"/>
-              <a:t>11/26/2024</a:t>
+              <a:t>12/3/2024</a:t>
             </a:fld>
             <a:endParaRPr lang="en-US"/>
           </a:p>
@@ -2020,7 +2021,7 @@
           <a:p>
             <a:fld id="{B8C95204-8909-44C9-9FCD-2950C0DAF391}" type="datetimeFigureOut">
               <a:rPr lang="en-US" smtClean="0"/>
-              <a:t>11/26/2024</a:t>
+              <a:t>12/3/2024</a:t>
             </a:fld>
             <a:endParaRPr lang="en-US"/>
           </a:p>
@@ -2161,7 +2162,7 @@
           <a:p>
             <a:fld id="{B8C95204-8909-44C9-9FCD-2950C0DAF391}" type="datetimeFigureOut">
               <a:rPr lang="en-US" smtClean="0"/>
-              <a:t>11/26/2024</a:t>
+              <a:t>12/3/2024</a:t>
             </a:fld>
             <a:endParaRPr lang="en-US"/>
           </a:p>
@@ -2274,7 +2275,7 @@
           <a:p>
             <a:fld id="{B8C95204-8909-44C9-9FCD-2950C0DAF391}" type="datetimeFigureOut">
               <a:rPr lang="en-US" smtClean="0"/>
-              <a:t>11/26/2024</a:t>
+              <a:t>12/3/2024</a:t>
             </a:fld>
             <a:endParaRPr lang="en-US"/>
           </a:p>
@@ -2585,7 +2586,7 @@
           <a:p>
             <a:fld id="{B8C95204-8909-44C9-9FCD-2950C0DAF391}" type="datetimeFigureOut">
               <a:rPr lang="en-US" smtClean="0"/>
-              <a:t>11/26/2024</a:t>
+              <a:t>12/3/2024</a:t>
             </a:fld>
             <a:endParaRPr lang="en-US"/>
           </a:p>
@@ -2873,7 +2874,7 @@
           <a:p>
             <a:fld id="{B8C95204-8909-44C9-9FCD-2950C0DAF391}" type="datetimeFigureOut">
               <a:rPr lang="en-US" smtClean="0"/>
-              <a:t>11/26/2024</a:t>
+              <a:t>12/3/2024</a:t>
             </a:fld>
             <a:endParaRPr lang="en-US"/>
           </a:p>
@@ -3114,7 +3115,7 @@
           <a:p>
             <a:fld id="{B8C95204-8909-44C9-9FCD-2950C0DAF391}" type="datetimeFigureOut">
               <a:rPr lang="en-US" smtClean="0"/>
-              <a:t>11/26/2024</a:t>
+              <a:t>12/3/2024</a:t>
             </a:fld>
             <a:endParaRPr lang="en-US"/>
           </a:p>
@@ -3640,31 +3641,40 @@
           <a:lstStyle/>
           <a:p>
             <a:r>
-              <a:rPr lang="en-US"/>
+              <a:rPr lang="en-US" dirty="0"/>
               <a:t>To build a simple document search engine, we need to:</a:t>
             </a:r>
           </a:p>
           <a:p>
-            <a:r>
-              <a:rPr lang="en-US"/>
+            <a:pPr marL="457200" lvl="1" indent="0">
+              <a:buNone/>
+            </a:pPr>
+            <a:r>
+              <a:rPr lang="en-US" dirty="0"/>
               <a:t>1. Retrieve documents by title or content.</a:t>
             </a:r>
           </a:p>
           <a:p>
-            <a:r>
-              <a:rPr lang="en-US"/>
+            <a:pPr marL="457200" lvl="1" indent="0">
+              <a:buNone/>
+            </a:pPr>
+            <a:r>
+              <a:rPr lang="en-US" dirty="0"/>
               <a:t>2. Implement an easy-to-use web interface for users.</a:t>
             </a:r>
           </a:p>
           <a:p>
-            <a:r>
-              <a:rPr lang="en-US"/>
+            <a:pPr marL="457200" lvl="1" indent="0">
+              <a:buNone/>
+            </a:pPr>
+            <a:r>
+              <a:rPr lang="en-US" dirty="0"/>
               <a:t>3. Make sure the search engine is scalable and fast.</a:t>
             </a:r>
           </a:p>
           <a:p>
             <a:r>
-              <a:rPr lang="en-US"/>
+              <a:rPr lang="en-US" dirty="0"/>
               <a:t>The goal is to make it user-friendly and work smoothly for everyone.</a:t>
             </a:r>
           </a:p>
@@ -3750,31 +3760,40 @@
           <a:lstStyle/>
           <a:p>
             <a:r>
-              <a:rPr lang="en-US"/>
+              <a:rPr lang="en-US" dirty="0"/>
               <a:t>To gather and index documents, we need to:</a:t>
             </a:r>
           </a:p>
           <a:p>
-            <a:r>
-              <a:rPr lang="en-US"/>
+            <a:pPr marL="457200" lvl="1" indent="0">
+              <a:buNone/>
+            </a:pPr>
+            <a:r>
+              <a:rPr lang="en-US" dirty="0"/>
               <a:t>1. Collect all documents in a central folder.</a:t>
             </a:r>
           </a:p>
           <a:p>
-            <a:r>
-              <a:rPr lang="en-US"/>
+            <a:pPr marL="457200" lvl="1" indent="0">
+              <a:buNone/>
+            </a:pPr>
+            <a:r>
+              <a:rPr lang="en-US" dirty="0"/>
               <a:t>2. Create an index for fast searching.</a:t>
             </a:r>
           </a:p>
           <a:p>
-            <a:r>
-              <a:rPr lang="en-US"/>
+            <a:pPr marL="457200" lvl="1" indent="0">
+              <a:buNone/>
+            </a:pPr>
+            <a:r>
+              <a:rPr lang="en-US" dirty="0"/>
               <a:t>3. Keep the index updated automatically when new documents are added.</a:t>
             </a:r>
           </a:p>
           <a:p>
             <a:r>
-              <a:rPr lang="en-US"/>
+              <a:rPr lang="en-US" dirty="0"/>
               <a:t>This will allow us to find documents quickly and accurately.</a:t>
             </a:r>
           </a:p>
@@ -4107,31 +4126,43 @@
           <a:lstStyle/>
           <a:p>
             <a:r>
-              <a:rPr lang="en-US"/>
+              <a:rPr lang="en-US" dirty="0"/>
               <a:t>To optimize the system, we:</a:t>
             </a:r>
           </a:p>
           <a:p>
-            <a:r>
-              <a:rPr lang="en-US"/>
+            <a:pPr marL="457200" lvl="1" indent="0">
+              <a:buNone/>
+            </a:pPr>
+            <a:r>
+              <a:rPr lang="en-US" dirty="0"/>
               <a:t>1. Use fast data structures like hash maps for quick document lookup.</a:t>
             </a:r>
           </a:p>
           <a:p>
-            <a:r>
-              <a:rPr lang="en-US"/>
+            <a:pPr marL="457200" lvl="1" indent="0">
+              <a:buNone/>
+            </a:pPr>
+            <a:r>
+              <a:rPr lang="en-US" dirty="0"/>
               <a:t>2. Make sure the search works quickly with large datasets.</a:t>
             </a:r>
           </a:p>
           <a:p>
-            <a:r>
-              <a:rPr lang="en-US"/>
+            <a:pPr marL="457200" lvl="1" indent="0">
+              <a:buNone/>
+            </a:pPr>
+            <a:r>
+              <a:rPr lang="en-US" dirty="0"/>
               <a:t>3. Test the system with edge cases, like large files or empty queries.</a:t>
             </a:r>
           </a:p>
           <a:p>
-            <a:r>
-              <a:rPr lang="en-US"/>
+            <a:pPr marL="457200" lvl="1" indent="0">
+              <a:buNone/>
+            </a:pPr>
+            <a:r>
+              <a:rPr lang="en-US" dirty="0"/>
               <a:t>4. Measure performance to make sure it scales.</a:t>
             </a:r>
           </a:p>
@@ -4155,7 +4186,13 @@
   <p:cSld>
     <p:spTree>
       <p:nvGrpSpPr>
-        <p:cNvPr id="1" name=""/>
+        <p:cNvPr id="1" name="">
+          <a:extLst>
+            <a:ext uri="{FF2B5EF4-FFF2-40B4-BE49-F238E27FC236}">
+              <a16:creationId xmlns:a16="http://schemas.microsoft.com/office/drawing/2014/main" id="{2B74B648-1530-05C0-9F4B-699165B2059E}"/>
+            </a:ext>
+          </a:extLst>
+        </p:cNvPr>
         <p:cNvGrpSpPr/>
         <p:nvPr/>
       </p:nvGrpSpPr>
@@ -4172,7 +4209,7 @@
           <p:cNvPr id="2" name="Title 1">
             <a:extLst>
               <a:ext uri="{FF2B5EF4-FFF2-40B4-BE49-F238E27FC236}">
-                <a16:creationId xmlns:a16="http://schemas.microsoft.com/office/drawing/2014/main" id="{92F421B7-1AB7-6C37-FFEF-7FB60EBA9077}"/>
+                <a16:creationId xmlns:a16="http://schemas.microsoft.com/office/drawing/2014/main" id="{84E7A8E3-1007-C81D-8800-D0DC3FB23A23}"/>
               </a:ext>
             </a:extLst>
           </p:cNvPr>
@@ -4189,68 +4226,51 @@
           <a:lstStyle/>
           <a:p>
             <a:r>
-              <a:rPr lang="en-US"/>
-              <a:t>Future Enhancements</a:t>
-            </a:r>
-          </a:p>
-        </p:txBody>
-      </p:sp>
-      <p:sp>
-        <p:nvSpPr>
-          <p:cNvPr id="3" name="Text Placeholder 2">
-            <a:extLst>
-              <a:ext uri="{FF2B5EF4-FFF2-40B4-BE49-F238E27FC236}">
-                <a16:creationId xmlns:a16="http://schemas.microsoft.com/office/drawing/2014/main" id="{A39F83FF-BE52-0D29-DF9D-043C25B774D7}"/>
-              </a:ext>
-            </a:extLst>
-          </p:cNvPr>
-          <p:cNvSpPr>
-            <a:spLocks noGrp="1"/>
-          </p:cNvSpPr>
-          <p:nvPr>
-            <p:ph type="body" idx="1"/>
-          </p:nvPr>
-        </p:nvSpPr>
-        <p:spPr/>
-        <p:txBody>
-          <a:bodyPr/>
-          <a:lstStyle/>
-          <a:p>
-            <a:r>
-              <a:rPr lang="en-US"/>
-              <a:t>In the future, we can:</a:t>
-            </a:r>
-          </a:p>
-          <a:p>
-            <a:r>
-              <a:rPr lang="en-US"/>
-              <a:t>1. Support more file types like PDFs.</a:t>
-            </a:r>
-          </a:p>
-          <a:p>
-            <a:r>
-              <a:rPr lang="en-US"/>
-              <a:t>2. Add filters and sorting to the search.</a:t>
-            </a:r>
-          </a:p>
-          <a:p>
-            <a:r>
-              <a:rPr lang="en-US"/>
-              <a:t>3. Build a distributed system for larger data.</a:t>
-            </a:r>
-          </a:p>
-          <a:p>
-            <a:r>
-              <a:rPr lang="en-US"/>
-              <a:t>4. Use machine learning for better query understanding.</a:t>
-            </a:r>
-          </a:p>
-        </p:txBody>
-      </p:sp>
+              <a:rPr lang="en-US" dirty="0"/>
+              <a:t>Data Flow Diagram</a:t>
+            </a:r>
+          </a:p>
+        </p:txBody>
+      </p:sp>
+      <p:pic>
+        <p:nvPicPr>
+          <p:cNvPr id="7" name="Picture 6" descr="A diagram of a software company&#10;&#10;Description automatically generated with medium confidence">
+            <a:extLst>
+              <a:ext uri="{FF2B5EF4-FFF2-40B4-BE49-F238E27FC236}">
+                <a16:creationId xmlns:a16="http://schemas.microsoft.com/office/drawing/2014/main" id="{1C3E5EE8-0139-1A07-905C-65BA0E454E16}"/>
+              </a:ext>
+            </a:extLst>
+          </p:cNvPr>
+          <p:cNvPicPr>
+            <a:picLocks noChangeAspect="1"/>
+          </p:cNvPicPr>
+          <p:nvPr/>
+        </p:nvPicPr>
+        <p:blipFill>
+          <a:blip r:embed="rId2">
+            <a:extLst>
+              <a:ext uri="{28A0092B-C50C-407E-A947-70E740481C1C}">
+                <a14:useLocalDpi xmlns:a14="http://schemas.microsoft.com/office/drawing/2010/main" val="0"/>
+              </a:ext>
+            </a:extLst>
+          </a:blip>
+          <a:srcRect l="30488" t="26074"/>
+          <a:stretch/>
+        </p:blipFill>
+        <p:spPr>
+          <a:xfrm>
+            <a:off x="2235199" y="1476586"/>
+            <a:ext cx="6828813" cy="5069840"/>
+          </a:xfrm>
+          <a:prstGeom prst="rect">
+            <a:avLst/>
+          </a:prstGeom>
+        </p:spPr>
+      </p:pic>
     </p:spTree>
     <p:extLst>
       <p:ext uri="{BB962C8B-B14F-4D97-AF65-F5344CB8AC3E}">
-        <p14:creationId xmlns:p14="http://schemas.microsoft.com/office/powerpoint/2010/main" val="1854603386"/>
+        <p14:creationId xmlns:p14="http://schemas.microsoft.com/office/powerpoint/2010/main" val="730385720"/>
       </p:ext>
     </p:extLst>
   </p:cSld>
@@ -4282,6 +4302,128 @@
           <p:cNvPr id="2" name="Title 1">
             <a:extLst>
               <a:ext uri="{FF2B5EF4-FFF2-40B4-BE49-F238E27FC236}">
+                <a16:creationId xmlns:a16="http://schemas.microsoft.com/office/drawing/2014/main" id="{92F421B7-1AB7-6C37-FFEF-7FB60EBA9077}"/>
+              </a:ext>
+            </a:extLst>
+          </p:cNvPr>
+          <p:cNvSpPr>
+            <a:spLocks noGrp="1"/>
+          </p:cNvSpPr>
+          <p:nvPr>
+            <p:ph type="title"/>
+          </p:nvPr>
+        </p:nvSpPr>
+        <p:spPr/>
+        <p:txBody>
+          <a:bodyPr/>
+          <a:lstStyle/>
+          <a:p>
+            <a:r>
+              <a:rPr lang="en-US"/>
+              <a:t>Future Enhancements</a:t>
+            </a:r>
+          </a:p>
+        </p:txBody>
+      </p:sp>
+      <p:sp>
+        <p:nvSpPr>
+          <p:cNvPr id="3" name="Text Placeholder 2">
+            <a:extLst>
+              <a:ext uri="{FF2B5EF4-FFF2-40B4-BE49-F238E27FC236}">
+                <a16:creationId xmlns:a16="http://schemas.microsoft.com/office/drawing/2014/main" id="{A39F83FF-BE52-0D29-DF9D-043C25B774D7}"/>
+              </a:ext>
+            </a:extLst>
+          </p:cNvPr>
+          <p:cNvSpPr>
+            <a:spLocks noGrp="1"/>
+          </p:cNvSpPr>
+          <p:nvPr>
+            <p:ph type="body" idx="1"/>
+          </p:nvPr>
+        </p:nvSpPr>
+        <p:spPr/>
+        <p:txBody>
+          <a:bodyPr/>
+          <a:lstStyle/>
+          <a:p>
+            <a:r>
+              <a:rPr lang="en-US" dirty="0"/>
+              <a:t>In the future, we can:</a:t>
+            </a:r>
+          </a:p>
+          <a:p>
+            <a:pPr marL="457200" lvl="1" indent="0">
+              <a:buNone/>
+            </a:pPr>
+            <a:r>
+              <a:rPr lang="en-US" dirty="0"/>
+              <a:t>1. Support more file types like PDFs.</a:t>
+            </a:r>
+          </a:p>
+          <a:p>
+            <a:pPr marL="457200" lvl="1" indent="0">
+              <a:buNone/>
+            </a:pPr>
+            <a:r>
+              <a:rPr lang="en-US" dirty="0"/>
+              <a:t>2. Add filters and sorting to the search.</a:t>
+            </a:r>
+          </a:p>
+          <a:p>
+            <a:pPr marL="457200" lvl="1" indent="0">
+              <a:buNone/>
+            </a:pPr>
+            <a:r>
+              <a:rPr lang="en-US" dirty="0"/>
+              <a:t>3. Build a distributed system for larger data.</a:t>
+            </a:r>
+          </a:p>
+          <a:p>
+            <a:pPr marL="457200" lvl="1" indent="0">
+              <a:buNone/>
+            </a:pPr>
+            <a:r>
+              <a:rPr lang="en-US" dirty="0"/>
+              <a:t>4. Use machine learning for better query understanding.</a:t>
+            </a:r>
+          </a:p>
+        </p:txBody>
+      </p:sp>
+    </p:spTree>
+    <p:extLst>
+      <p:ext uri="{BB962C8B-B14F-4D97-AF65-F5344CB8AC3E}">
+        <p14:creationId xmlns:p14="http://schemas.microsoft.com/office/powerpoint/2010/main" val="1854603386"/>
+      </p:ext>
+    </p:extLst>
+  </p:cSld>
+  <p:clrMapOvr>
+    <a:masterClrMapping/>
+  </p:clrMapOvr>
+</p:sld>
+</file>
+
+<file path=ppt/slides/slide9.xml><?xml version="1.0" encoding="utf-8"?>
+<p:sld xmlns:a="http://schemas.openxmlformats.org/drawingml/2006/main" xmlns:r="http://schemas.openxmlformats.org/officeDocument/2006/relationships" xmlns:p="http://schemas.openxmlformats.org/presentationml/2006/main">
+  <p:cSld>
+    <p:spTree>
+      <p:nvGrpSpPr>
+        <p:cNvPr id="1" name=""/>
+        <p:cNvGrpSpPr/>
+        <p:nvPr/>
+      </p:nvGrpSpPr>
+      <p:grpSpPr>
+        <a:xfrm>
+          <a:off x="0" y="0"/>
+          <a:ext cx="0" cy="0"/>
+          <a:chOff x="0" y="0"/>
+          <a:chExt cx="0" cy="0"/>
+        </a:xfrm>
+      </p:grpSpPr>
+      <p:sp>
+        <p:nvSpPr>
+          <p:cNvPr id="2" name="Title 1">
+            <a:extLst>
+              <a:ext uri="{FF2B5EF4-FFF2-40B4-BE49-F238E27FC236}">
                 <a16:creationId xmlns:a16="http://schemas.microsoft.com/office/drawing/2014/main" id="{ACC73158-3999-FB2A-F40F-74A47D993BB3}"/>
               </a:ext>
             </a:extLst>
@@ -4327,37 +4469,49 @@
           <a:lstStyle/>
           <a:p>
             <a:r>
-              <a:rPr lang="en-US"/>
+              <a:rPr lang="en-US" dirty="0"/>
               <a:t>The document search engine will:</a:t>
             </a:r>
           </a:p>
           <a:p>
-            <a:r>
-              <a:rPr lang="en-US"/>
+            <a:pPr marL="457200" lvl="1" indent="0">
+              <a:buNone/>
+            </a:pPr>
+            <a:r>
+              <a:rPr lang="en-US" dirty="0"/>
               <a:t>1. Be fast and efficient.</a:t>
             </a:r>
           </a:p>
           <a:p>
-            <a:r>
-              <a:rPr lang="en-US"/>
+            <a:pPr marL="457200" lvl="1" indent="0">
+              <a:buNone/>
+            </a:pPr>
+            <a:r>
+              <a:rPr lang="en-US" dirty="0"/>
               <a:t>2. Provide accurate search results.</a:t>
             </a:r>
           </a:p>
           <a:p>
-            <a:r>
-              <a:rPr lang="en-US"/>
+            <a:pPr marL="457200" lvl="1" indent="0">
+              <a:buNone/>
+            </a:pPr>
+            <a:r>
+              <a:rPr lang="en-US" dirty="0"/>
               <a:t>3. Be scalable for large data.</a:t>
             </a:r>
           </a:p>
           <a:p>
-            <a:r>
-              <a:rPr lang="en-US"/>
+            <a:pPr marL="457200" lvl="1" indent="0">
+              <a:buNone/>
+            </a:pPr>
+            <a:r>
+              <a:rPr lang="en-US" dirty="0"/>
               <a:t>4. Have a user-friendly interface.</a:t>
             </a:r>
           </a:p>
           <a:p>
             <a:r>
-              <a:rPr lang="en-US"/>
+              <a:rPr lang="en-US" dirty="0"/>
               <a:t>The goal is to make searching easy and fast.</a:t>
             </a:r>
           </a:p>
